--- a/Figure-5-2/Figure52/Figure52_fullslide.pptx
+++ b/Figure-5-2/Figure52/Figure52_fullslide.pptx
@@ -516,6 +516,70 @@
               <a:rPr/>
               <a:t>Title:</a:t>
             </a:r>
+            <a:r>
+              <a:rPr/>
+              <a:t> </a:t>
+            </a:r>
+            <a:r>
+              <a:rPr/>
+              <a:t>Voluntary</a:t>
+            </a:r>
+            <a:r>
+              <a:rPr/>
+              <a:t> </a:t>
+            </a:r>
+            <a:r>
+              <a:rPr/>
+              <a:t>post-tax</a:t>
+            </a:r>
+            <a:r>
+              <a:rPr/>
+              <a:t> </a:t>
+            </a:r>
+            <a:r>
+              <a:rPr/>
+              <a:t>contributions</a:t>
+            </a:r>
+            <a:r>
+              <a:rPr/>
+              <a:t> </a:t>
+            </a:r>
+            <a:r>
+              <a:rPr/>
+              <a:t>are</a:t>
+            </a:r>
+            <a:r>
+              <a:rPr/>
+              <a:t> </a:t>
+            </a:r>
+            <a:r>
+              <a:rPr/>
+              <a:t>made</a:t>
+            </a:r>
+            <a:r>
+              <a:rPr/>
+              <a:t> </a:t>
+            </a:r>
+            <a:r>
+              <a:rPr/>
+              <a:t>to</a:t>
+            </a:r>
+            <a:r>
+              <a:rPr/>
+              <a:t> </a:t>
+            </a:r>
+            <a:r>
+              <a:rPr/>
+              <a:t>high-balance</a:t>
+            </a:r>
+            <a:r>
+              <a:rPr/>
+              <a:t> </a:t>
+            </a:r>
+            <a:r>
+              <a:rPr/>
+              <a:t>accounts</a:t>
+            </a:r>
           </a:p>
           <a:p>
             <a:pPr lvl="0" marL="0" indent="0">
@@ -529,6 +593,372 @@
             <a:r>
               <a:rPr/>
               <a:t>Subtitle:</a:t>
+            </a:r>
+            <a:r>
+              <a:rPr/>
+              <a:t> </a:t>
+            </a:r>
+            <a:r>
+              <a:rPr/>
+              <a:t>Share</a:t>
+            </a:r>
+            <a:r>
+              <a:rPr/>
+              <a:t> </a:t>
+            </a:r>
+            <a:r>
+              <a:rPr/>
+              <a:t>of</a:t>
+            </a:r>
+            <a:r>
+              <a:rPr/>
+              <a:t> </a:t>
+            </a:r>
+            <a:r>
+              <a:rPr/>
+              <a:t>taxpayers</a:t>
+            </a:r>
+            <a:r>
+              <a:rPr/>
+              <a:t> </a:t>
+            </a:r>
+            <a:r>
+              <a:rPr/>
+              <a:t>and</a:t>
+            </a:r>
+            <a:r>
+              <a:rPr/>
+              <a:t> </a:t>
+            </a:r>
+            <a:r>
+              <a:rPr/>
+              <a:t>post-tax</a:t>
+            </a:r>
+            <a:r>
+              <a:rPr/>
+              <a:t> </a:t>
+            </a:r>
+            <a:r>
+              <a:rPr/>
+              <a:t>contributions,</a:t>
+            </a:r>
+            <a:r>
+              <a:rPr/>
+              <a:t> </a:t>
+            </a:r>
+            <a:r>
+              <a:rPr/>
+              <a:t>by</a:t>
+            </a:r>
+            <a:r>
+              <a:rPr/>
+              <a:t> </a:t>
+            </a:r>
+            <a:r>
+              <a:rPr/>
+              <a:t>existing</a:t>
+            </a:r>
+            <a:r>
+              <a:rPr/>
+              <a:t> </a:t>
+            </a:r>
+            <a:r>
+              <a:rPr/>
+              <a:t>superannuation</a:t>
+            </a:r>
+            <a:r>
+              <a:rPr/>
+              <a:t> </a:t>
+            </a:r>
+            <a:r>
+              <a:rPr/>
+              <a:t>balance</a:t>
+            </a:r>
+          </a:p>
+          <a:p>
+            <a:pPr lvl="0" marL="0" indent="0">
+              <a:buNone/>
+            </a:pPr>
+          </a:p>
+          <a:p>
+            <a:pPr lvl="0" marL="0" indent="0">
+              <a:buNone/>
+            </a:pPr>
+            <a:r>
+              <a:rPr/>
+              <a:t>Notes:</a:t>
+            </a:r>
+            <a:r>
+              <a:rPr/>
+              <a:t> </a:t>
+            </a:r>
+            <a:r>
+              <a:rPr/>
+              <a:t>Projections</a:t>
+            </a:r>
+            <a:r>
+              <a:rPr/>
+              <a:t> </a:t>
+            </a:r>
+            <a:r>
+              <a:rPr/>
+              <a:t>to</a:t>
+            </a:r>
+            <a:r>
+              <a:rPr/>
+              <a:t> </a:t>
+            </a:r>
+            <a:r>
+              <a:rPr/>
+              <a:t>2020-21</a:t>
+            </a:r>
+            <a:r>
+              <a:rPr/>
+              <a:t> </a:t>
+            </a:r>
+            <a:r>
+              <a:rPr/>
+              <a:t>assume</a:t>
+            </a:r>
+            <a:r>
+              <a:rPr/>
+              <a:t> </a:t>
+            </a:r>
+            <a:r>
+              <a:rPr/>
+              <a:t>2%</a:t>
+            </a:r>
+            <a:r>
+              <a:rPr/>
+              <a:t> </a:t>
+            </a:r>
+            <a:r>
+              <a:rPr/>
+              <a:t>wage</a:t>
+            </a:r>
+            <a:r>
+              <a:rPr/>
+              <a:t> </a:t>
+            </a:r>
+            <a:r>
+              <a:rPr/>
+              <a:t>growth</a:t>
+            </a:r>
+            <a:r>
+              <a:rPr/>
+              <a:t> </a:t>
+            </a:r>
+            <a:r>
+              <a:rPr/>
+              <a:t>and</a:t>
+            </a:r>
+            <a:r>
+              <a:rPr/>
+              <a:t> </a:t>
+            </a:r>
+            <a:r>
+              <a:rPr/>
+              <a:t>0%</a:t>
+            </a:r>
+            <a:r>
+              <a:rPr/>
+              <a:t> </a:t>
+            </a:r>
+            <a:r>
+              <a:rPr/>
+              <a:t>growth</a:t>
+            </a:r>
+            <a:r>
+              <a:rPr/>
+              <a:t> </a:t>
+            </a:r>
+            <a:r>
+              <a:rPr/>
+              <a:t>in</a:t>
+            </a:r>
+            <a:r>
+              <a:rPr/>
+              <a:t> </a:t>
+            </a:r>
+            <a:r>
+              <a:rPr/>
+              <a:t>the</a:t>
+            </a:r>
+            <a:r>
+              <a:rPr/>
+              <a:t> </a:t>
+            </a:r>
+            <a:r>
+              <a:rPr/>
+              <a:t>number</a:t>
+            </a:r>
+            <a:r>
+              <a:rPr/>
+              <a:t> </a:t>
+            </a:r>
+            <a:r>
+              <a:rPr/>
+              <a:t>of</a:t>
+            </a:r>
+            <a:r>
+              <a:rPr/>
+              <a:t> </a:t>
+            </a:r>
+            <a:r>
+              <a:rPr/>
+              <a:t>taxfilers</a:t>
+            </a:r>
+            <a:r>
+              <a:rPr/>
+              <a:t> </a:t>
+            </a:r>
+            <a:r>
+              <a:rPr/>
+              <a:t>from</a:t>
+            </a:r>
+            <a:r>
+              <a:rPr/>
+              <a:t> </a:t>
+            </a:r>
+            <a:r>
+              <a:rPr/>
+              <a:t>2019-20</a:t>
+            </a:r>
+            <a:r>
+              <a:rPr/>
+              <a:t> </a:t>
+            </a:r>
+            <a:r>
+              <a:rPr/>
+              <a:t>to</a:t>
+            </a:r>
+            <a:r>
+              <a:rPr/>
+              <a:t> </a:t>
+            </a:r>
+            <a:r>
+              <a:rPr/>
+              <a:t>2020-21.</a:t>
+            </a:r>
+            <a:r>
+              <a:rPr/>
+              <a:t> </a:t>
+            </a:r>
+            <a:r>
+              <a:rPr/>
+              <a:t>Post-tax</a:t>
+            </a:r>
+            <a:r>
+              <a:rPr/>
+              <a:t> </a:t>
+            </a:r>
+            <a:r>
+              <a:rPr/>
+              <a:t>contributions</a:t>
+            </a:r>
+            <a:r>
+              <a:rPr/>
+              <a:t> </a:t>
+            </a:r>
+            <a:r>
+              <a:rPr/>
+              <a:t>equals</a:t>
+            </a:r>
+            <a:r>
+              <a:rPr/>
+              <a:t> </a:t>
+            </a:r>
+            <a:r>
+              <a:rPr/>
+              <a:t>personal</a:t>
+            </a:r>
+            <a:r>
+              <a:rPr/>
+              <a:t> </a:t>
+            </a:r>
+            <a:r>
+              <a:rPr/>
+              <a:t>contributions</a:t>
+            </a:r>
+            <a:r>
+              <a:rPr/>
+              <a:t> </a:t>
+            </a:r>
+            <a:r>
+              <a:rPr/>
+              <a:t>less</a:t>
+            </a:r>
+            <a:r>
+              <a:rPr/>
+              <a:t> </a:t>
+            </a:r>
+            <a:r>
+              <a:rPr/>
+              <a:t>non-employer</a:t>
+            </a:r>
+            <a:r>
+              <a:rPr/>
+              <a:t> </a:t>
+            </a:r>
+            <a:r>
+              <a:rPr/>
+              <a:t>super</a:t>
+            </a:r>
+            <a:r>
+              <a:rPr/>
+              <a:t> </a:t>
+            </a:r>
+            <a:r>
+              <a:rPr/>
+              <a:t>contributions.</a:t>
+            </a:r>
+            <a:r>
+              <a:rPr/>
+              <a:t> </a:t>
+            </a:r>
+            <a:r>
+              <a:rPr/>
+              <a:t>Source:</a:t>
+            </a:r>
+            <a:r>
+              <a:rPr/>
+              <a:t> </a:t>
+            </a:r>
+            <a:r>
+              <a:rPr/>
+              <a:t>ATO</a:t>
+            </a:r>
+            <a:r>
+              <a:rPr/>
+              <a:t> </a:t>
+            </a:r>
+            <a:r>
+              <a:rPr/>
+              <a:t>2017-18</a:t>
+            </a:r>
+            <a:r>
+              <a:rPr/>
+              <a:t> </a:t>
+            </a:r>
+            <a:r>
+              <a:rPr/>
+              <a:t>2%</a:t>
+            </a:r>
+            <a:r>
+              <a:rPr/>
+              <a:t> </a:t>
+            </a:r>
+            <a:r>
+              <a:rPr/>
+              <a:t>sample</a:t>
+            </a:r>
+            <a:r>
+              <a:rPr/>
+              <a:t> </a:t>
+            </a:r>
+            <a:r>
+              <a:rPr/>
+              <a:t>file</a:t>
             </a:r>
           </a:p>
           <a:p>
@@ -3937,7 +4367,7 @@
           <a:p>
             <a:r>
               <a:rPr/>
-              <a:t> </a:t>
+              <a:t>Voluntary post-tax contributions are made to high-balance accounts</a:t>
             </a:r>
           </a:p>
         </p:txBody>
@@ -3964,7 +4394,7 @@
           <a:p>
             <a:r>
               <a:rPr/>
-              <a:t> </a:t>
+              <a:t>Share of taxpayers and post-tax contributions, by existing superannuation balance</a:t>
             </a:r>
           </a:p>
         </p:txBody>
@@ -4026,8 +4456,8 @@
           </p:nvSpPr>
           <p:spPr>
             <a:xfrm>
-              <a:off x="638590" y="1371747"/>
-              <a:ext cx="7992000" cy="5455914"/>
+              <a:off x="8630590" y="1371747"/>
+              <a:ext cx="0" cy="5455914"/>
             </a:xfrm>
             <a:prstGeom prst="rect">
               <a:avLst/>
@@ -4052,8 +4482,8 @@
           </p:nvSpPr>
           <p:spPr>
             <a:xfrm>
-              <a:off x="1327575" y="1463187"/>
-              <a:ext cx="7193286" cy="5031956"/>
+              <a:off x="1327575" y="1463188"/>
+              <a:ext cx="7193286" cy="4450603"/>
             </a:xfrm>
             <a:prstGeom prst="rect">
               <a:avLst/>
@@ -4078,7 +4508,7 @@
           </p:nvSpPr>
           <p:spPr>
             <a:xfrm>
-              <a:off x="1327575" y="6495144"/>
+              <a:off x="1327575" y="5913791"/>
               <a:ext cx="7193286" cy="0"/>
             </a:xfrm>
             <a:custGeom>
@@ -4121,7 +4551,7 @@
           </p:nvSpPr>
           <p:spPr>
             <a:xfrm>
-              <a:off x="1327575" y="5255746"/>
+              <a:off x="1327575" y="4817583"/>
               <a:ext cx="7193286" cy="0"/>
             </a:xfrm>
             <a:custGeom>
@@ -4164,7 +4594,7 @@
           </p:nvSpPr>
           <p:spPr>
             <a:xfrm>
-              <a:off x="1327575" y="4016347"/>
+              <a:off x="1327575" y="3721376"/>
               <a:ext cx="7193286" cy="0"/>
             </a:xfrm>
             <a:custGeom>
@@ -4207,7 +4637,7 @@
           </p:nvSpPr>
           <p:spPr>
             <a:xfrm>
-              <a:off x="1327575" y="2776949"/>
+              <a:off x="1327575" y="2625168"/>
               <a:ext cx="7193286" cy="0"/>
             </a:xfrm>
             <a:custGeom>
@@ -4250,7 +4680,7 @@
           </p:nvSpPr>
           <p:spPr>
             <a:xfrm>
-              <a:off x="1327575" y="1537551"/>
+              <a:off x="1327575" y="1528960"/>
               <a:ext cx="7193286" cy="0"/>
             </a:xfrm>
             <a:custGeom>
@@ -4293,14 +4723,14 @@
           </p:nvSpPr>
           <p:spPr>
             <a:xfrm>
-              <a:off x="1818027" y="3367036"/>
-              <a:ext cx="2942708" cy="3128107"/>
+              <a:off x="1818027" y="3147081"/>
+              <a:ext cx="2942708" cy="2766710"/>
             </a:xfrm>
             <a:prstGeom prst="rect">
               <a:avLst/>
             </a:prstGeom>
             <a:solidFill>
-              <a:srgbClr val="FFE07F">
+              <a:srgbClr val="FFFFFF">
                 <a:alpha val="100000"/>
               </a:srgbClr>
             </a:solidFill>
@@ -4328,8 +4758,8 @@
           </p:nvSpPr>
           <p:spPr>
             <a:xfrm>
-              <a:off x="1818027" y="2344355"/>
-              <a:ext cx="2942708" cy="1022681"/>
+              <a:off x="1818027" y="2242552"/>
+              <a:ext cx="2942708" cy="904528"/>
             </a:xfrm>
             <a:prstGeom prst="rect">
               <a:avLst/>
@@ -4363,8 +4793,8 @@
           </p:nvSpPr>
           <p:spPr>
             <a:xfrm>
-              <a:off x="1818027" y="1901152"/>
-              <a:ext cx="2942708" cy="443203"/>
+              <a:off x="1818027" y="1850553"/>
+              <a:ext cx="2942708" cy="391999"/>
             </a:xfrm>
             <a:prstGeom prst="rect">
               <a:avLst/>
@@ -4398,8 +4828,8 @@
           </p:nvSpPr>
           <p:spPr>
             <a:xfrm>
-              <a:off x="1818027" y="1746312"/>
-              <a:ext cx="2942708" cy="154839"/>
+              <a:off x="1818027" y="1713602"/>
+              <a:ext cx="2942708" cy="136950"/>
             </a:xfrm>
             <a:prstGeom prst="rect">
               <a:avLst/>
@@ -4433,8 +4863,8 @@
           </p:nvSpPr>
           <p:spPr>
             <a:xfrm>
-              <a:off x="1818027" y="1671442"/>
-              <a:ext cx="2942708" cy="74870"/>
+              <a:off x="1818027" y="1647382"/>
+              <a:ext cx="2942708" cy="66220"/>
             </a:xfrm>
             <a:prstGeom prst="rect">
               <a:avLst/>
@@ -4468,8 +4898,8 @@
           </p:nvSpPr>
           <p:spPr>
             <a:xfrm>
-              <a:off x="1818027" y="1576266"/>
-              <a:ext cx="2942708" cy="95176"/>
+              <a:off x="1818027" y="1563201"/>
+              <a:ext cx="2942708" cy="84180"/>
             </a:xfrm>
             <a:prstGeom prst="rect">
               <a:avLst/>
@@ -4503,8 +4933,8 @@
           </p:nvSpPr>
           <p:spPr>
             <a:xfrm>
-              <a:off x="1818027" y="1537551"/>
-              <a:ext cx="2942708" cy="38714"/>
+              <a:off x="1818027" y="1528960"/>
+              <a:ext cx="2942708" cy="34241"/>
             </a:xfrm>
             <a:prstGeom prst="rect">
               <a:avLst/>
@@ -4538,14 +4968,14 @@
           </p:nvSpPr>
           <p:spPr>
             <a:xfrm>
-              <a:off x="5087702" y="6243427"/>
-              <a:ext cx="2942708" cy="251716"/>
+              <a:off x="5087702" y="5691156"/>
+              <a:ext cx="2942708" cy="222635"/>
             </a:xfrm>
             <a:prstGeom prst="rect">
               <a:avLst/>
             </a:prstGeom>
             <a:solidFill>
-              <a:srgbClr val="FFE07F">
+              <a:srgbClr val="FFFFFF">
                 <a:alpha val="100000"/>
               </a:srgbClr>
             </a:solidFill>
@@ -4573,8 +5003,8 @@
           </p:nvSpPr>
           <p:spPr>
             <a:xfrm>
-              <a:off x="5087702" y="5620322"/>
-              <a:ext cx="2942708" cy="623104"/>
+              <a:off x="5087702" y="5140040"/>
+              <a:ext cx="2942708" cy="551116"/>
             </a:xfrm>
             <a:prstGeom prst="rect">
               <a:avLst/>
@@ -4608,8 +5038,8 @@
           </p:nvSpPr>
           <p:spPr>
             <a:xfrm>
-              <a:off x="5087702" y="4379508"/>
-              <a:ext cx="2942708" cy="1240813"/>
+              <a:off x="5087702" y="4042580"/>
+              <a:ext cx="2942708" cy="1097460"/>
             </a:xfrm>
             <a:prstGeom prst="rect">
               <a:avLst/>
@@ -4643,8 +5073,8 @@
           </p:nvSpPr>
           <p:spPr>
             <a:xfrm>
-              <a:off x="5087702" y="3419326"/>
-              <a:ext cx="2942708" cy="960181"/>
+              <a:off x="5087702" y="3193330"/>
+              <a:ext cx="2942708" cy="849249"/>
             </a:xfrm>
             <a:prstGeom prst="rect">
               <a:avLst/>
@@ -4678,8 +5108,8 @@
           </p:nvSpPr>
           <p:spPr>
             <a:xfrm>
-              <a:off x="5087702" y="2788047"/>
-              <a:ext cx="2942708" cy="631279"/>
+              <a:off x="5087702" y="2634983"/>
+              <a:ext cx="2942708" cy="558346"/>
             </a:xfrm>
             <a:prstGeom prst="rect">
               <a:avLst/>
@@ -4713,8 +5143,8 @@
           </p:nvSpPr>
           <p:spPr>
             <a:xfrm>
-              <a:off x="5087702" y="1684179"/>
-              <a:ext cx="2942708" cy="1103867"/>
+              <a:off x="5087702" y="1658648"/>
+              <a:ext cx="2942708" cy="976335"/>
             </a:xfrm>
             <a:prstGeom prst="rect">
               <a:avLst/>
@@ -4748,8 +5178,8 @@
           </p:nvSpPr>
           <p:spPr>
             <a:xfrm>
-              <a:off x="5087702" y="1537551"/>
-              <a:ext cx="2942708" cy="146628"/>
+              <a:off x="5087702" y="1528960"/>
+              <a:ext cx="2942708" cy="129687"/>
             </a:xfrm>
             <a:prstGeom prst="rect">
               <a:avLst/>
@@ -4783,7 +5213,7 @@
           </p:nvSpPr>
           <p:spPr>
             <a:xfrm>
-              <a:off x="2285237" y="4801833"/>
+              <a:off x="2285237" y="4401179"/>
               <a:ext cx="2008286" cy="211075"/>
             </a:xfrm>
             <a:prstGeom prst="rect">
@@ -4820,7 +5250,7 @@
           </p:nvSpPr>
           <p:spPr>
             <a:xfrm>
-              <a:off x="2177076" y="2726439"/>
+              <a:off x="2177076" y="2565559"/>
               <a:ext cx="2224608" cy="211075"/>
             </a:xfrm>
             <a:prstGeom prst="rect">
@@ -4857,7 +5287,7 @@
           </p:nvSpPr>
           <p:spPr>
             <a:xfrm>
-              <a:off x="2177076" y="1993496"/>
+              <a:off x="2177076" y="1917295"/>
               <a:ext cx="2224608" cy="211075"/>
             </a:xfrm>
             <a:prstGeom prst="rect">
@@ -4894,7 +5324,7 @@
           </p:nvSpPr>
           <p:spPr>
             <a:xfrm>
-              <a:off x="2177076" y="1694475"/>
+              <a:off x="2177076" y="1652820"/>
               <a:ext cx="2224608" cy="211075"/>
             </a:xfrm>
             <a:prstGeom prst="rect">
@@ -4931,7 +5361,7 @@
           </p:nvSpPr>
           <p:spPr>
             <a:xfrm>
-              <a:off x="2170993" y="1579620"/>
+              <a:off x="2170993" y="1551235"/>
               <a:ext cx="2236775" cy="211075"/>
             </a:xfrm>
             <a:prstGeom prst="rect">
@@ -4968,7 +5398,7 @@
           </p:nvSpPr>
           <p:spPr>
             <a:xfrm>
-              <a:off x="2164910" y="1503414"/>
+              <a:off x="2164910" y="1484852"/>
               <a:ext cx="2248941" cy="202257"/>
             </a:xfrm>
             <a:prstGeom prst="rect">
@@ -5005,7 +5435,7 @@
           </p:nvSpPr>
           <p:spPr>
             <a:xfrm>
-              <a:off x="2260178" y="1436469"/>
+              <a:off x="2260178" y="1425642"/>
               <a:ext cx="2058404" cy="202257"/>
             </a:xfrm>
             <a:prstGeom prst="rect">
@@ -5042,7 +5472,7 @@
           </p:nvSpPr>
           <p:spPr>
             <a:xfrm>
-              <a:off x="5554913" y="6240028"/>
+              <a:off x="5554913" y="5673216"/>
               <a:ext cx="2008286" cy="211075"/>
             </a:xfrm>
             <a:prstGeom prst="rect">
@@ -5088,7 +5518,7 @@
           </p:nvSpPr>
           <p:spPr>
             <a:xfrm>
-              <a:off x="5446752" y="5802617"/>
+              <a:off x="5446752" y="5286340"/>
               <a:ext cx="2224608" cy="211075"/>
             </a:xfrm>
             <a:prstGeom prst="rect">
@@ -5134,7 +5564,7 @@
           </p:nvSpPr>
           <p:spPr>
             <a:xfrm>
-              <a:off x="5446752" y="4870658"/>
+              <a:off x="5446752" y="4462052"/>
               <a:ext cx="2224608" cy="211075"/>
             </a:xfrm>
             <a:prstGeom prst="rect">
@@ -5180,7 +5610,7 @@
           </p:nvSpPr>
           <p:spPr>
             <a:xfrm>
-              <a:off x="5446752" y="3770160"/>
+              <a:off x="5446752" y="3488697"/>
               <a:ext cx="2224608" cy="211075"/>
             </a:xfrm>
             <a:prstGeom prst="rect">
@@ -5226,7 +5656,7 @@
           </p:nvSpPr>
           <p:spPr>
             <a:xfrm>
-              <a:off x="5440669" y="2974429"/>
+              <a:off x="5440669" y="2784899"/>
               <a:ext cx="2236775" cy="211075"/>
             </a:xfrm>
             <a:prstGeom prst="rect">
@@ -5272,7 +5702,7 @@
           </p:nvSpPr>
           <p:spPr>
             <a:xfrm>
-              <a:off x="5434585" y="2115674"/>
+              <a:off x="5434585" y="2026376"/>
               <a:ext cx="2248941" cy="202257"/>
             </a:xfrm>
             <a:prstGeom prst="rect">
@@ -5318,7 +5748,7 @@
           </p:nvSpPr>
           <p:spPr>
             <a:xfrm>
-              <a:off x="5529854" y="1490426"/>
+              <a:off x="5529854" y="1473365"/>
               <a:ext cx="2058404" cy="202257"/>
             </a:xfrm>
             <a:prstGeom prst="rect">
@@ -5364,7 +5794,7 @@
           </p:nvSpPr>
           <p:spPr>
             <a:xfrm>
-              <a:off x="894691" y="6404507"/>
+              <a:off x="894691" y="5823155"/>
               <a:ext cx="330398" cy="172454"/>
             </a:xfrm>
             <a:prstGeom prst="rect">
@@ -5410,7 +5840,7 @@
           </p:nvSpPr>
           <p:spPr>
             <a:xfrm>
-              <a:off x="767555" y="5165109"/>
+              <a:off x="767555" y="4726947"/>
               <a:ext cx="457534" cy="172454"/>
             </a:xfrm>
             <a:prstGeom prst="rect">
@@ -5456,7 +5886,7 @@
           </p:nvSpPr>
           <p:spPr>
             <a:xfrm>
-              <a:off x="767555" y="3925711"/>
+              <a:off x="767555" y="3630739"/>
               <a:ext cx="457534" cy="172454"/>
             </a:xfrm>
             <a:prstGeom prst="rect">
@@ -5502,7 +5932,7 @@
           </p:nvSpPr>
           <p:spPr>
             <a:xfrm>
-              <a:off x="767555" y="2686313"/>
+              <a:off x="767555" y="2534531"/>
               <a:ext cx="457534" cy="172454"/>
             </a:xfrm>
             <a:prstGeom prst="rect">
@@ -5548,7 +5978,7 @@
           </p:nvSpPr>
           <p:spPr>
             <a:xfrm>
-              <a:off x="640418" y="1446915"/>
+              <a:off x="640418" y="1438324"/>
               <a:ext cx="584671" cy="172454"/>
             </a:xfrm>
             <a:prstGeom prst="rect">
@@ -5594,7 +6024,7 @@
           </p:nvSpPr>
           <p:spPr>
             <a:xfrm>
-              <a:off x="1327575" y="6495144"/>
+              <a:off x="1327575" y="5913791"/>
               <a:ext cx="7193286" cy="0"/>
             </a:xfrm>
             <a:custGeom>
@@ -5634,7 +6064,7 @@
           </p:nvSpPr>
           <p:spPr>
             <a:xfrm>
-              <a:off x="3289381" y="6495144"/>
+              <a:off x="3289381" y="5913791"/>
               <a:ext cx="0" cy="56936"/>
             </a:xfrm>
             <a:custGeom>
@@ -5674,7 +6104,7 @@
           </p:nvSpPr>
           <p:spPr>
             <a:xfrm>
-              <a:off x="6559056" y="6495144"/>
+              <a:off x="6559056" y="5913791"/>
               <a:ext cx="0" cy="56936"/>
             </a:xfrm>
             <a:custGeom>
@@ -5714,7 +6144,7 @@
           </p:nvSpPr>
           <p:spPr>
             <a:xfrm>
-              <a:off x="2857519" y="6592160"/>
+              <a:off x="2857519" y="6010807"/>
               <a:ext cx="863724" cy="169105"/>
             </a:xfrm>
             <a:prstGeom prst="rect">
@@ -5760,7 +6190,7 @@
           </p:nvSpPr>
           <p:spPr>
             <a:xfrm>
-              <a:off x="5459979" y="6594950"/>
+              <a:off x="5459979" y="6013598"/>
               <a:ext cx="2198154" cy="166315"/>
             </a:xfrm>
             <a:prstGeom prst="rect">
@@ -5794,6 +6224,144 @@
                   <a:cs typeface="Arial"/>
                 </a:rPr>
                 <a:t>Post-tax contributions</a:t>
+              </a:r>
+            </a:p>
+          </p:txBody>
+        </p:sp>
+        <p:sp>
+          <p:nvSpPr>
+            <p:cNvPr id="51" name="tx49"/>
+            <p:cNvSpPr/>
+            <p:nvPr/>
+          </p:nvSpPr>
+          <p:spPr>
+            <a:xfrm>
+              <a:off x="640418" y="6389933"/>
+              <a:ext cx="7397910" cy="118695"/>
+            </a:xfrm>
+            <a:prstGeom prst="rect">
+              <a:avLst/>
+            </a:prstGeom>
+            <a:noFill/>
+          </p:spPr>
+          <p:txBody>
+            <a:bodyPr lIns="0" rIns="0" tIns="0" bIns="0" anchorCtr="1" anchor="ctr" wrap="none"/>
+            <a:lstStyle/>
+            <a:p>
+              <a:pPr algn="l" marL="0" marR="0" indent="0">
+                <a:lnSpc>
+                  <a:spcPts val="999"/>
+                </a:lnSpc>
+                <a:spcBef>
+                  <a:spcPts val="0"/>
+                </a:spcBef>
+                <a:spcAft>
+                  <a:spcPts val="0"/>
+                </a:spcAft>
+              </a:pPr>
+              <a:r>
+                <a:rPr sz="999" i="1">
+                  <a:solidFill>
+                    <a:srgbClr val="000000">
+                      <a:alpha val="100000"/>
+                    </a:srgbClr>
+                  </a:solidFill>
+                  <a:latin typeface="Arial"/>
+                  <a:cs typeface="Arial"/>
+                </a:rPr>
+                <a:t>Notes: Projections to 2020-21 assume 2% wage growth and 0% growth in the number of taxfilers from 2019-20 to 2020-21. Post-tax</a:t>
+              </a:r>
+            </a:p>
+          </p:txBody>
+        </p:sp>
+        <p:sp>
+          <p:nvSpPr>
+            <p:cNvPr id="52" name="tx50"/>
+            <p:cNvSpPr/>
+            <p:nvPr/>
+          </p:nvSpPr>
+          <p:spPr>
+            <a:xfrm>
+              <a:off x="640418" y="6528133"/>
+              <a:ext cx="4619341" cy="117518"/>
+            </a:xfrm>
+            <a:prstGeom prst="rect">
+              <a:avLst/>
+            </a:prstGeom>
+            <a:noFill/>
+          </p:spPr>
+          <p:txBody>
+            <a:bodyPr lIns="0" rIns="0" tIns="0" bIns="0" anchorCtr="1" anchor="ctr" wrap="none"/>
+            <a:lstStyle/>
+            <a:p>
+              <a:pPr algn="l" marL="0" marR="0" indent="0">
+                <a:lnSpc>
+                  <a:spcPts val="999"/>
+                </a:lnSpc>
+                <a:spcBef>
+                  <a:spcPts val="0"/>
+                </a:spcBef>
+                <a:spcAft>
+                  <a:spcPts val="0"/>
+                </a:spcAft>
+              </a:pPr>
+              <a:r>
+                <a:rPr sz="999" i="1">
+                  <a:solidFill>
+                    <a:srgbClr val="000000">
+                      <a:alpha val="100000"/>
+                    </a:srgbClr>
+                  </a:solidFill>
+                  <a:latin typeface="Arial"/>
+                  <a:cs typeface="Arial"/>
+                </a:rPr>
+                <a:t>contributions equals personal contributions less non-employer super contributions.</a:t>
+              </a:r>
+            </a:p>
+          </p:txBody>
+        </p:sp>
+        <p:sp>
+          <p:nvSpPr>
+            <p:cNvPr id="53" name="tx51"/>
+            <p:cNvSpPr/>
+            <p:nvPr/>
+          </p:nvSpPr>
+          <p:spPr>
+            <a:xfrm>
+              <a:off x="640418" y="6665094"/>
+              <a:ext cx="2094457" cy="117580"/>
+            </a:xfrm>
+            <a:prstGeom prst="rect">
+              <a:avLst/>
+            </a:prstGeom>
+            <a:noFill/>
+          </p:spPr>
+          <p:txBody>
+            <a:bodyPr lIns="0" rIns="0" tIns="0" bIns="0" anchorCtr="1" anchor="ctr" wrap="none"/>
+            <a:lstStyle/>
+            <a:p>
+              <a:pPr algn="l" marL="0" marR="0" indent="0">
+                <a:lnSpc>
+                  <a:spcPts val="999"/>
+                </a:lnSpc>
+                <a:spcBef>
+                  <a:spcPts val="0"/>
+                </a:spcBef>
+                <a:spcAft>
+                  <a:spcPts val="0"/>
+                </a:spcAft>
+              </a:pPr>
+              <a:r>
+                <a:rPr sz="999" i="1">
+                  <a:solidFill>
+                    <a:srgbClr val="000000">
+                      <a:alpha val="100000"/>
+                    </a:srgbClr>
+                  </a:solidFill>
+                  <a:latin typeface="Arial"/>
+                  <a:cs typeface="Arial"/>
+                </a:rPr>
+                <a:t>Source: ATO 2017-18 2% sample file</a:t>
               </a:r>
             </a:p>
           </p:txBody>
